--- a/images/Présentation1.pptx
+++ b/images/Présentation1.pptx
@@ -6,6 +6,7 @@
   </p:sldMasterIdLst>
   <p:sldIdLst>
     <p:sldId id="256" r:id="rId2"/>
+    <p:sldId id="257" r:id="rId3"/>
   </p:sldIdLst>
   <p:sldSz cx="12192000" cy="6858000"/>
   <p:notesSz cx="6858000" cy="9144000"/>
@@ -104,6 +105,11 @@
       </a:defRPr>
     </a:lvl9pPr>
   </p:defaultTextStyle>
+  <p:extLst>
+    <p:ext uri="{EFAFB233-063F-42B5-8137-9DF3F51BA10A}">
+      <p15:sldGuideLst xmlns:p15="http://schemas.microsoft.com/office/powerpoint/2012/main"/>
+    </p:ext>
+  </p:extLst>
 </p:presentation>
 </file>
 
@@ -238,7 +244,7 @@
           <a:p>
             <a:fld id="{94C8FF46-2510-44BE-9BF4-F8A9A2208CCC}" type="datetimeFigureOut">
               <a:rPr lang="fr-FR" smtClean="0"/>
-              <a:t>16/10/2015</a:t>
+              <a:t>09/01/2016</a:t>
             </a:fld>
             <a:endParaRPr lang="fr-FR"/>
           </a:p>
@@ -408,7 +414,7 @@
           <a:p>
             <a:fld id="{94C8FF46-2510-44BE-9BF4-F8A9A2208CCC}" type="datetimeFigureOut">
               <a:rPr lang="fr-FR" smtClean="0"/>
-              <a:t>16/10/2015</a:t>
+              <a:t>09/01/2016</a:t>
             </a:fld>
             <a:endParaRPr lang="fr-FR"/>
           </a:p>
@@ -588,7 +594,7 @@
           <a:p>
             <a:fld id="{94C8FF46-2510-44BE-9BF4-F8A9A2208CCC}" type="datetimeFigureOut">
               <a:rPr lang="fr-FR" smtClean="0"/>
-              <a:t>16/10/2015</a:t>
+              <a:t>09/01/2016</a:t>
             </a:fld>
             <a:endParaRPr lang="fr-FR"/>
           </a:p>
@@ -758,7 +764,7 @@
           <a:p>
             <a:fld id="{94C8FF46-2510-44BE-9BF4-F8A9A2208CCC}" type="datetimeFigureOut">
               <a:rPr lang="fr-FR" smtClean="0"/>
-              <a:t>16/10/2015</a:t>
+              <a:t>09/01/2016</a:t>
             </a:fld>
             <a:endParaRPr lang="fr-FR"/>
           </a:p>
@@ -1004,7 +1010,7 @@
           <a:p>
             <a:fld id="{94C8FF46-2510-44BE-9BF4-F8A9A2208CCC}" type="datetimeFigureOut">
               <a:rPr lang="fr-FR" smtClean="0"/>
-              <a:t>16/10/2015</a:t>
+              <a:t>09/01/2016</a:t>
             </a:fld>
             <a:endParaRPr lang="fr-FR"/>
           </a:p>
@@ -1236,7 +1242,7 @@
           <a:p>
             <a:fld id="{94C8FF46-2510-44BE-9BF4-F8A9A2208CCC}" type="datetimeFigureOut">
               <a:rPr lang="fr-FR" smtClean="0"/>
-              <a:t>16/10/2015</a:t>
+              <a:t>09/01/2016</a:t>
             </a:fld>
             <a:endParaRPr lang="fr-FR"/>
           </a:p>
@@ -1603,7 +1609,7 @@
           <a:p>
             <a:fld id="{94C8FF46-2510-44BE-9BF4-F8A9A2208CCC}" type="datetimeFigureOut">
               <a:rPr lang="fr-FR" smtClean="0"/>
-              <a:t>16/10/2015</a:t>
+              <a:t>09/01/2016</a:t>
             </a:fld>
             <a:endParaRPr lang="fr-FR"/>
           </a:p>
@@ -1721,7 +1727,7 @@
           <a:p>
             <a:fld id="{94C8FF46-2510-44BE-9BF4-F8A9A2208CCC}" type="datetimeFigureOut">
               <a:rPr lang="fr-FR" smtClean="0"/>
-              <a:t>16/10/2015</a:t>
+              <a:t>09/01/2016</a:t>
             </a:fld>
             <a:endParaRPr lang="fr-FR"/>
           </a:p>
@@ -1816,7 +1822,7 @@
           <a:p>
             <a:fld id="{94C8FF46-2510-44BE-9BF4-F8A9A2208CCC}" type="datetimeFigureOut">
               <a:rPr lang="fr-FR" smtClean="0"/>
-              <a:t>16/10/2015</a:t>
+              <a:t>09/01/2016</a:t>
             </a:fld>
             <a:endParaRPr lang="fr-FR"/>
           </a:p>
@@ -2093,7 +2099,7 @@
           <a:p>
             <a:fld id="{94C8FF46-2510-44BE-9BF4-F8A9A2208CCC}" type="datetimeFigureOut">
               <a:rPr lang="fr-FR" smtClean="0"/>
-              <a:t>16/10/2015</a:t>
+              <a:t>09/01/2016</a:t>
             </a:fld>
             <a:endParaRPr lang="fr-FR"/>
           </a:p>
@@ -2346,7 +2352,7 @@
           <a:p>
             <a:fld id="{94C8FF46-2510-44BE-9BF4-F8A9A2208CCC}" type="datetimeFigureOut">
               <a:rPr lang="fr-FR" smtClean="0"/>
-              <a:t>16/10/2015</a:t>
+              <a:t>09/01/2016</a:t>
             </a:fld>
             <a:endParaRPr lang="fr-FR"/>
           </a:p>
@@ -2559,7 +2565,7 @@
           <a:p>
             <a:fld id="{94C8FF46-2510-44BE-9BF4-F8A9A2208CCC}" type="datetimeFigureOut">
               <a:rPr lang="fr-FR" smtClean="0"/>
-              <a:t>16/10/2015</a:t>
+              <a:t>09/01/2016</a:t>
             </a:fld>
             <a:endParaRPr lang="fr-FR"/>
           </a:p>
@@ -3338,6 +3344,176 @@
 </p:sld>
 </file>
 
+<file path=ppt/slides/slide2.xml><?xml version="1.0" encoding="utf-8"?>
+<p:sld xmlns:a="http://schemas.openxmlformats.org/drawingml/2006/main" xmlns:r="http://schemas.openxmlformats.org/officeDocument/2006/relationships" xmlns:p="http://schemas.openxmlformats.org/presentationml/2006/main">
+  <p:cSld>
+    <p:spTree>
+      <p:nvGrpSpPr>
+        <p:cNvPr id="1" name=""/>
+        <p:cNvGrpSpPr/>
+        <p:nvPr/>
+      </p:nvGrpSpPr>
+      <p:grpSpPr>
+        <a:xfrm>
+          <a:off x="0" y="0"/>
+          <a:ext cx="0" cy="0"/>
+          <a:chOff x="0" y="0"/>
+          <a:chExt cx="0" cy="0"/>
+        </a:xfrm>
+      </p:grpSpPr>
+      <p:grpSp>
+        <p:nvGrpSpPr>
+          <p:cNvPr id="8" name="Groupe 7"/>
+          <p:cNvGrpSpPr/>
+          <p:nvPr/>
+        </p:nvGrpSpPr>
+        <p:grpSpPr>
+          <a:xfrm>
+            <a:off x="649342" y="2108202"/>
+            <a:ext cx="8776761" cy="1569660"/>
+            <a:chOff x="474244" y="2925325"/>
+            <a:chExt cx="8776761" cy="1569660"/>
+          </a:xfrm>
+        </p:grpSpPr>
+        <p:sp>
+          <p:nvSpPr>
+            <p:cNvPr id="4" name="Rectangle 3"/>
+            <p:cNvSpPr/>
+            <p:nvPr/>
+          </p:nvSpPr>
+          <p:spPr>
+            <a:xfrm>
+              <a:off x="474244" y="2925325"/>
+              <a:ext cx="4242700" cy="1569660"/>
+            </a:xfrm>
+            <a:prstGeom prst="rect">
+              <a:avLst/>
+            </a:prstGeom>
+            <a:noFill/>
+          </p:spPr>
+          <p:txBody>
+            <a:bodyPr wrap="none" lIns="91440" tIns="45720" rIns="91440" bIns="45720">
+              <a:spAutoFit/>
+            </a:bodyPr>
+            <a:lstStyle/>
+            <a:p>
+              <a:pPr algn="ctr"/>
+              <a:r>
+                <a:rPr lang="fr-FR" sz="9600" cap="none" spc="0" dirty="0" smtClean="0">
+                  <a:ln w="0"/>
+                  <a:solidFill>
+                    <a:srgbClr val="333333"/>
+                  </a:solidFill>
+                  <a:effectLst>
+                    <a:outerShdw blurRad="38100" dist="19050" dir="2700000" algn="tl" rotWithShape="0">
+                      <a:schemeClr val="dk1">
+                        <a:alpha val="40000"/>
+                      </a:schemeClr>
+                    </a:outerShdw>
+                    <a:reflection blurRad="6350" stA="55000" endA="300" endPos="45500" dir="5400000" sy="-100000" algn="bl" rotWithShape="0"/>
+                  </a:effectLst>
+                  <a:latin typeface="Heavitas" pitchFamily="2" charset="0"/>
+                </a:rPr>
+                <a:t>ITAME</a:t>
+              </a:r>
+              <a:endParaRPr lang="fr-FR" sz="5400" cap="none" spc="0" dirty="0">
+                <a:ln w="0"/>
+                <a:solidFill>
+                  <a:srgbClr val="333333"/>
+                </a:solidFill>
+                <a:effectLst>
+                  <a:outerShdw blurRad="38100" dist="19050" dir="2700000" algn="tl" rotWithShape="0">
+                    <a:schemeClr val="dk1">
+                      <a:alpha val="40000"/>
+                    </a:schemeClr>
+                  </a:outerShdw>
+                  <a:reflection blurRad="6350" stA="55000" endA="300" endPos="45500" dir="5400000" sy="-100000" algn="bl" rotWithShape="0"/>
+                </a:effectLst>
+                <a:latin typeface="Heavitas" pitchFamily="2" charset="0"/>
+              </a:endParaRPr>
+            </a:p>
+          </p:txBody>
+        </p:sp>
+        <p:sp>
+          <p:nvSpPr>
+            <p:cNvPr id="6" name="Rectangle 5"/>
+            <p:cNvSpPr/>
+            <p:nvPr/>
+          </p:nvSpPr>
+          <p:spPr>
+            <a:xfrm>
+              <a:off x="4104101" y="3233101"/>
+              <a:ext cx="5146904" cy="954107"/>
+            </a:xfrm>
+            <a:prstGeom prst="rect">
+              <a:avLst/>
+            </a:prstGeom>
+            <a:noFill/>
+          </p:spPr>
+          <p:txBody>
+            <a:bodyPr wrap="square" lIns="91440" tIns="45720" rIns="91440" bIns="45720">
+              <a:spAutoFit/>
+            </a:bodyPr>
+            <a:lstStyle/>
+            <a:p>
+              <a:pPr lvl="1"/>
+              <a:r>
+                <a:rPr lang="fr-FR" sz="2800" dirty="0" smtClean="0">
+                  <a:ln w="0"/>
+                  <a:solidFill>
+                    <a:srgbClr val="333333"/>
+                  </a:solidFill>
+                  <a:effectLst>
+                    <a:outerShdw blurRad="38100" dist="19050" dir="2700000" algn="tl" rotWithShape="0">
+                      <a:schemeClr val="dk1">
+                        <a:alpha val="40000"/>
+                      </a:schemeClr>
+                    </a:outerShdw>
+                  </a:effectLst>
+                  <a:ea typeface="Verdana" panose="020B0604030504040204" pitchFamily="34" charset="0"/>
+                  <a:cs typeface="Verdana" panose="020B0604030504040204" pitchFamily="34" charset="0"/>
+                </a:rPr>
+                <a:t>Interfaces Tangibles comme Aide à la Maîtrise de l’Énergie</a:t>
+              </a:r>
+              <a:endParaRPr lang="fr-FR" sz="2800" dirty="0">
+                <a:ln w="0"/>
+                <a:solidFill>
+                  <a:srgbClr val="333333"/>
+                </a:solidFill>
+                <a:effectLst>
+                  <a:outerShdw blurRad="38100" dist="19050" dir="2700000" algn="tl" rotWithShape="0">
+                    <a:schemeClr val="dk1">
+                      <a:alpha val="40000"/>
+                    </a:schemeClr>
+                  </a:outerShdw>
+                </a:effectLst>
+                <a:ea typeface="Verdana" panose="020B0604030504040204" pitchFamily="34" charset="0"/>
+                <a:cs typeface="Verdana" panose="020B0604030504040204" pitchFamily="34" charset="0"/>
+              </a:endParaRPr>
+            </a:p>
+          </p:txBody>
+        </p:sp>
+      </p:grpSp>
+    </p:spTree>
+    <p:extLst>
+      <p:ext uri="{BB962C8B-B14F-4D97-AF65-F5344CB8AC3E}">
+        <p14:creationId xmlns:p14="http://schemas.microsoft.com/office/powerpoint/2010/main" val="1157870792"/>
+      </p:ext>
+    </p:extLst>
+  </p:cSld>
+  <p:clrMapOvr>
+    <a:masterClrMapping/>
+  </p:clrMapOvr>
+  <p:timing>
+    <p:tnLst>
+      <p:par>
+        <p:cTn id="1" dur="indefinite" restart="never" nodeType="tmRoot"/>
+      </p:par>
+    </p:tnLst>
+  </p:timing>
+</p:sld>
+</file>
+
 <file path=ppt/theme/theme1.xml><?xml version="1.0" encoding="utf-8"?>
 <a:theme xmlns:a="http://schemas.openxmlformats.org/drawingml/2006/main" name="Thème Office">
   <a:themeElements>
